--- a/CERTIFICATE OF APPRECIATION_Speakers.pptx
+++ b/CERTIFICATE OF APPRECIATION_Speakers.pptx
@@ -1771,7 +1771,7 @@
           <a:p>
             <a:fld id="{A2355A94-CD46-C44F-8A53-8AA853BE1DF7}" type="datetimeFigureOut">
               <a:rPr lang="en-US" smtClean="0"/>
-              <a:t>10/3/2025</a:t>
+              <a:t>10/4/2025</a:t>
             </a:fld>
             <a:endParaRPr lang="en-US"/>
           </a:p>
@@ -7166,7 +7166,7 @@
           <a:p>
             <a:r>
               <a:rPr lang="en-US" dirty="0"/>
-              <a:t>Mohammad Shafiuddin </a:t>
+              <a:t>Mohammed Shafiuddin </a:t>
             </a:r>
           </a:p>
         </p:txBody>
@@ -12063,15 +12063,6 @@
 </file>
 
 <file path=customXml/item2.xml><?xml version="1.0" encoding="utf-8"?>
-<?mso-contentType ?>
-<FormTemplates xmlns="http://schemas.microsoft.com/sharepoint/v3/contenttype/forms">
-  <Display>DocumentLibraryForm</Display>
-  <Edit>DocumentLibraryForm</Edit>
-  <New>DocumentLibraryForm</New>
-</FormTemplates>
-</file>
-
-<file path=customXml/item3.xml><?xml version="1.0" encoding="utf-8"?>
 <ct:contentTypeSchema xmlns:ct="http://schemas.microsoft.com/office/2006/metadata/contentType" xmlns:ma="http://schemas.microsoft.com/office/2006/metadata/properties/metaAttributes" ct:_="" ma:_="" ma:contentTypeName="Document" ma:contentTypeID="0x01010079F111ED35F8CC479449609E8A0923A6" ma:contentTypeVersion="18" ma:contentTypeDescription="Create a new document." ma:contentTypeScope="" ma:versionID="27a416adda3cf0f491a4f548a2367a54">
   <xsd:schema xmlns:xsd="http://www.w3.org/2001/XMLSchema" xmlns:xs="http://www.w3.org/2001/XMLSchema" xmlns:p="http://schemas.microsoft.com/office/2006/metadata/properties" xmlns:ns1="http://schemas.microsoft.com/sharepoint/v3" xmlns:ns2="71af3243-3dd4-4a8d-8c0d-dd76da1f02a5" xmlns:ns3="16c05727-aa75-4e4a-9b5f-8a80a1165891" xmlns:ns4="230e9df3-be65-4c73-a93b-d1236ebd677e" targetNamespace="http://schemas.microsoft.com/office/2006/metadata/properties" ma:root="true" ma:fieldsID="2ef98d826045059a9b3c156985e150db" ns1:_="" ns2:_="" ns3:_="" ns4:_="">
     <xsd:import namespace="http://schemas.microsoft.com/sharepoint/v3"/>
@@ -12339,6 +12330,15 @@
 </ct:contentTypeSchema>
 </file>
 
+<file path=customXml/item3.xml><?xml version="1.0" encoding="utf-8"?>
+<?mso-contentType ?>
+<FormTemplates xmlns="http://schemas.microsoft.com/sharepoint/v3/contenttype/forms">
+  <Display>DocumentLibraryForm</Display>
+  <Edit>DocumentLibraryForm</Edit>
+  <New>DocumentLibraryForm</New>
+</FormTemplates>
+</file>
+
 <file path=customXml/itemProps1.xml><?xml version="1.0" encoding="utf-8"?>
 <ds:datastoreItem xmlns:ds="http://schemas.openxmlformats.org/officeDocument/2006/customXml" ds:itemID="{8AE7E590-2B19-426F-B030-B3BE65C3E734}">
   <ds:schemaRefs>
@@ -12352,14 +12352,6 @@
 </file>
 
 <file path=customXml/itemProps2.xml><?xml version="1.0" encoding="utf-8"?>
-<ds:datastoreItem xmlns:ds="http://schemas.openxmlformats.org/officeDocument/2006/customXml" ds:itemID="{8296F365-A8FB-4771-B5A5-049B27B98042}">
-  <ds:schemaRefs>
-    <ds:schemaRef ds:uri="http://schemas.microsoft.com/sharepoint/v3/contenttype/forms"/>
-  </ds:schemaRefs>
-</ds:datastoreItem>
-</file>
-
-<file path=customXml/itemProps3.xml><?xml version="1.0" encoding="utf-8"?>
 <ds:datastoreItem xmlns:ds="http://schemas.openxmlformats.org/officeDocument/2006/customXml" ds:itemID="{3D48541D-4E0C-47F7-8FE9-80A7836D9D76}">
   <ds:schemaRefs>
     <ds:schemaRef ds:uri="http://schemas.microsoft.com/office/2006/metadata/contentType"/>
@@ -12378,4 +12370,12 @@
     <ds:schemaRef ds:uri="http://schemas.microsoft.com/internal/obd"/>
   </ds:schemaRefs>
 </ds:datastoreItem>
+</file>
+
+<file path=customXml/itemProps3.xml><?xml version="1.0" encoding="utf-8"?>
+<ds:datastoreItem xmlns:ds="http://schemas.openxmlformats.org/officeDocument/2006/customXml" ds:itemID="{8296F365-A8FB-4771-B5A5-049B27B98042}">
+  <ds:schemaRefs>
+    <ds:schemaRef ds:uri="http://schemas.microsoft.com/sharepoint/v3/contenttype/forms"/>
+  </ds:schemaRefs>
+</ds:datastoreItem>
 </file>